--- a/BDK10-2.pptx
+++ b/BDK10-2.pptx
@@ -622,7 +622,7 @@
               </a14:hiddenFill>
             </a:ext>
             <a:ext uri="{FAA26D3D-D897-4be2-8F04-BA451C77F1D7}">
-              <ma14:placeholderFlag xmlns:ma14="http://schemas.microsoft.com/office/mac/drawingml/2011/main" xmlns="" val="1"/>
+              <ma14:placeholderFlag xmlns="" xmlns:ma14="http://schemas.microsoft.com/office/mac/drawingml/2011/main" val="1"/>
             </a:ext>
           </a:extLst>
         </p:spPr>
@@ -1150,7 +1150,7 @@
               </a14:hiddenLine>
             </a:ext>
             <a:ext uri="{FAA26D3D-D897-4be2-8F04-BA451C77F1D7}">
-              <ma14:placeholderFlag xmlns:ma14="http://schemas.microsoft.com/office/mac/drawingml/2011/main" xmlns="" val="1"/>
+              <ma14:placeholderFlag xmlns="" xmlns:ma14="http://schemas.microsoft.com/office/mac/drawingml/2011/main" val="1"/>
             </a:ext>
           </a:extLst>
         </p:spPr>
@@ -1398,7 +1398,7 @@
               </a14:hiddenLine>
             </a:ext>
             <a:ext uri="{FAA26D3D-D897-4be2-8F04-BA451C77F1D7}">
-              <ma14:placeholderFlag xmlns:ma14="http://schemas.microsoft.com/office/mac/drawingml/2011/main" xmlns="" val="1"/>
+              <ma14:placeholderFlag xmlns="" xmlns:ma14="http://schemas.microsoft.com/office/mac/drawingml/2011/main" val="1"/>
             </a:ext>
           </a:extLst>
         </p:spPr>
@@ -1646,7 +1646,7 @@
               </a14:hiddenLine>
             </a:ext>
             <a:ext uri="{FAA26D3D-D897-4be2-8F04-BA451C77F1D7}">
-              <ma14:placeholderFlag xmlns:ma14="http://schemas.microsoft.com/office/mac/drawingml/2011/main" xmlns="" val="1"/>
+              <ma14:placeholderFlag xmlns="" xmlns:ma14="http://schemas.microsoft.com/office/mac/drawingml/2011/main" val="1"/>
             </a:ext>
           </a:extLst>
         </p:spPr>
@@ -1894,7 +1894,7 @@
               </a14:hiddenLine>
             </a:ext>
             <a:ext uri="{FAA26D3D-D897-4be2-8F04-BA451C77F1D7}">
-              <ma14:placeholderFlag xmlns:ma14="http://schemas.microsoft.com/office/mac/drawingml/2011/main" xmlns="" val="1"/>
+              <ma14:placeholderFlag xmlns="" xmlns:ma14="http://schemas.microsoft.com/office/mac/drawingml/2011/main" val="1"/>
             </a:ext>
           </a:extLst>
         </p:spPr>
@@ -2142,7 +2142,7 @@
               </a14:hiddenLine>
             </a:ext>
             <a:ext uri="{FAA26D3D-D897-4be2-8F04-BA451C77F1D7}">
-              <ma14:placeholderFlag xmlns:ma14="http://schemas.microsoft.com/office/mac/drawingml/2011/main" xmlns="" val="1"/>
+              <ma14:placeholderFlag xmlns="" xmlns:ma14="http://schemas.microsoft.com/office/mac/drawingml/2011/main" val="1"/>
             </a:ext>
           </a:extLst>
         </p:spPr>
@@ -2390,7 +2390,7 @@
               </a14:hiddenLine>
             </a:ext>
             <a:ext uri="{FAA26D3D-D897-4be2-8F04-BA451C77F1D7}">
-              <ma14:placeholderFlag xmlns:ma14="http://schemas.microsoft.com/office/mac/drawingml/2011/main" xmlns="" val="1"/>
+              <ma14:placeholderFlag xmlns="" xmlns:ma14="http://schemas.microsoft.com/office/mac/drawingml/2011/main" val="1"/>
             </a:ext>
           </a:extLst>
         </p:spPr>
@@ -2481,7 +2481,7 @@
               </a14:hiddenLine>
             </a:ext>
             <a:ext uri="{FAA26D3D-D897-4be2-8F04-BA451C77F1D7}">
-              <ma14:placeholderFlag xmlns:ma14="http://schemas.microsoft.com/office/mac/drawingml/2011/main" xmlns="" val="1"/>
+              <ma14:placeholderFlag xmlns="" xmlns:ma14="http://schemas.microsoft.com/office/mac/drawingml/2011/main" val="1"/>
             </a:ext>
           </a:extLst>
         </p:spPr>
@@ -2885,7 +2885,7 @@
               </a14:hiddenLine>
             </a:ext>
             <a:ext uri="{FAA26D3D-D897-4be2-8F04-BA451C77F1D7}">
-              <ma14:placeholderFlag xmlns:ma14="http://schemas.microsoft.com/office/mac/drawingml/2011/main" xmlns="" val="1"/>
+              <ma14:placeholderFlag xmlns="" xmlns:ma14="http://schemas.microsoft.com/office/mac/drawingml/2011/main" val="1"/>
             </a:ext>
           </a:extLst>
         </p:spPr>
@@ -3133,7 +3133,7 @@
               </a14:hiddenLine>
             </a:ext>
             <a:ext uri="{FAA26D3D-D897-4be2-8F04-BA451C77F1D7}">
-              <ma14:placeholderFlag xmlns:ma14="http://schemas.microsoft.com/office/mac/drawingml/2011/main" xmlns="" val="1"/>
+              <ma14:placeholderFlag xmlns="" xmlns:ma14="http://schemas.microsoft.com/office/mac/drawingml/2011/main" val="1"/>
             </a:ext>
           </a:extLst>
         </p:spPr>
@@ -3381,7 +3381,7 @@
               </a14:hiddenLine>
             </a:ext>
             <a:ext uri="{FAA26D3D-D897-4be2-8F04-BA451C77F1D7}">
-              <ma14:placeholderFlag xmlns:ma14="http://schemas.microsoft.com/office/mac/drawingml/2011/main" xmlns="" val="1"/>
+              <ma14:placeholderFlag xmlns="" xmlns:ma14="http://schemas.microsoft.com/office/mac/drawingml/2011/main" val="1"/>
             </a:ext>
           </a:extLst>
         </p:spPr>
@@ -3714,7 +3714,7 @@
               </a14:hiddenLine>
             </a:ext>
             <a:ext uri="{FAA26D3D-D897-4be2-8F04-BA451C77F1D7}">
-              <ma14:placeholderFlag xmlns:ma14="http://schemas.microsoft.com/office/mac/drawingml/2011/main" xmlns="" val="1"/>
+              <ma14:placeholderFlag xmlns="" xmlns:ma14="http://schemas.microsoft.com/office/mac/drawingml/2011/main" val="1"/>
             </a:ext>
           </a:extLst>
         </p:spPr>
@@ -3962,7 +3962,7 @@
               </a14:hiddenLine>
             </a:ext>
             <a:ext uri="{FAA26D3D-D897-4be2-8F04-BA451C77F1D7}">
-              <ma14:placeholderFlag xmlns:ma14="http://schemas.microsoft.com/office/mac/drawingml/2011/main" xmlns="" val="1"/>
+              <ma14:placeholderFlag xmlns="" xmlns:ma14="http://schemas.microsoft.com/office/mac/drawingml/2011/main" val="1"/>
             </a:ext>
           </a:extLst>
         </p:spPr>
@@ -4210,7 +4210,7 @@
               </a14:hiddenLine>
             </a:ext>
             <a:ext uri="{FAA26D3D-D897-4be2-8F04-BA451C77F1D7}">
-              <ma14:placeholderFlag xmlns:ma14="http://schemas.microsoft.com/office/mac/drawingml/2011/main" xmlns="" val="1"/>
+              <ma14:placeholderFlag xmlns="" xmlns:ma14="http://schemas.microsoft.com/office/mac/drawingml/2011/main" val="1"/>
             </a:ext>
           </a:extLst>
         </p:spPr>
@@ -4458,7 +4458,7 @@
               </a14:hiddenLine>
             </a:ext>
             <a:ext uri="{FAA26D3D-D897-4be2-8F04-BA451C77F1D7}">
-              <ma14:placeholderFlag xmlns:ma14="http://schemas.microsoft.com/office/mac/drawingml/2011/main" xmlns="" val="1"/>
+              <ma14:placeholderFlag xmlns="" xmlns:ma14="http://schemas.microsoft.com/office/mac/drawingml/2011/main" val="1"/>
             </a:ext>
           </a:extLst>
         </p:spPr>
@@ -4706,7 +4706,7 @@
               </a14:hiddenLine>
             </a:ext>
             <a:ext uri="{FAA26D3D-D897-4be2-8F04-BA451C77F1D7}">
-              <ma14:placeholderFlag xmlns:ma14="http://schemas.microsoft.com/office/mac/drawingml/2011/main" xmlns="" val="1"/>
+              <ma14:placeholderFlag xmlns="" xmlns:ma14="http://schemas.microsoft.com/office/mac/drawingml/2011/main" val="1"/>
             </a:ext>
           </a:extLst>
         </p:spPr>
@@ -4954,7 +4954,7 @@
               </a14:hiddenLine>
             </a:ext>
             <a:ext uri="{FAA26D3D-D897-4be2-8F04-BA451C77F1D7}">
-              <ma14:placeholderFlag xmlns:ma14="http://schemas.microsoft.com/office/mac/drawingml/2011/main" xmlns="" val="1"/>
+              <ma14:placeholderFlag xmlns="" xmlns:ma14="http://schemas.microsoft.com/office/mac/drawingml/2011/main" val="1"/>
             </a:ext>
           </a:extLst>
         </p:spPr>
@@ -5202,7 +5202,7 @@
               </a14:hiddenLine>
             </a:ext>
             <a:ext uri="{FAA26D3D-D897-4be2-8F04-BA451C77F1D7}">
-              <ma14:placeholderFlag xmlns:ma14="http://schemas.microsoft.com/office/mac/drawingml/2011/main" xmlns="" val="1"/>
+              <ma14:placeholderFlag xmlns="" xmlns:ma14="http://schemas.microsoft.com/office/mac/drawingml/2011/main" val="1"/>
             </a:ext>
           </a:extLst>
         </p:spPr>
@@ -5450,7 +5450,7 @@
               </a14:hiddenLine>
             </a:ext>
             <a:ext uri="{FAA26D3D-D897-4be2-8F04-BA451C77F1D7}">
-              <ma14:placeholderFlag xmlns:ma14="http://schemas.microsoft.com/office/mac/drawingml/2011/main" xmlns="" val="1"/>
+              <ma14:placeholderFlag xmlns="" xmlns:ma14="http://schemas.microsoft.com/office/mac/drawingml/2011/main" val="1"/>
             </a:ext>
           </a:extLst>
         </p:spPr>
@@ -25682,42 +25682,27 @@
             </a:r>
             <a:r>
               <a:rPr lang="en-US" dirty="0" smtClean="0"/>
-              <a:t> Press, which adds value to content of original publisher, including </a:t>
-            </a:r>
-            <a:r>
-              <a:rPr lang="en-US" i="1" dirty="0" smtClean="0"/>
-              <a:t>British Medical Journal</a:t>
+              <a:t> Press, which adds value to content of original </a:t>
             </a:r>
             <a:r>
               <a:rPr lang="en-US" dirty="0" smtClean="0"/>
-              <a:t>, </a:t>
-            </a:r>
-            <a:r>
-              <a:rPr lang="en-US" i="1" dirty="0" smtClean="0"/>
-              <a:t>Journal of the American Medical Association</a:t>
+              <a:t>publisher</a:t>
+            </a:r>
+            <a:endParaRPr lang="en-US" dirty="0" smtClean="0"/>
+          </a:p>
+          <a:p>
+            <a:pPr lvl="1"/>
+            <a:r>
+              <a:rPr lang="en-US" dirty="0"/>
+              <a:t>Now also </a:t>
             </a:r>
             <a:r>
               <a:rPr lang="en-US" dirty="0" smtClean="0"/>
-              <a:t>, </a:t>
-            </a:r>
-            <a:r>
-              <a:rPr lang="en-US" i="1" dirty="0" smtClean="0"/>
-              <a:t>New England Journal of Medicine</a:t>
-            </a:r>
-            <a:r>
-              <a:rPr lang="en-US" dirty="0" smtClean="0"/>
-              <a:t>, etc.</a:t>
-            </a:r>
-          </a:p>
-          <a:p>
-            <a:pPr lvl="1"/>
-            <a:r>
-              <a:rPr lang="en-US" dirty="0" smtClean="0"/>
-              <a:t>Also published by leading commercial scientific publishers, e.g., Elsevier, Kluwer, Springer, etc.</a:t>
-            </a:r>
-          </a:p>
-          <a:p>
-            <a:pPr lvl="1"/>
+              <a:t>published by leading commercial scientific publishers, e.g., Elsevier, Kluwer, Springer, etc.</a:t>
+            </a:r>
+          </a:p>
+          <a:p>
+            <a:pPr lvl="2"/>
             <a:r>
               <a:rPr lang="en-US" dirty="0" smtClean="0"/>
               <a:t>Growing number available via open-access model, e.g., Biomed Central (BMC), Public Library of Science (</a:t>
@@ -25867,33 +25852,18 @@
           <a:p>
             <a:pPr lvl="1"/>
             <a:r>
+              <a:rPr lang="en-US" dirty="0"/>
+              <a:t>NLM Bookshelf</a:t>
+            </a:r>
+          </a:p>
+          <a:p>
+            <a:r>
               <a:rPr lang="en-US" dirty="0" smtClean="0"/>
-              <a:t>Most are bundled into large collections by publishers</a:t>
-            </a:r>
-          </a:p>
-          <a:p>
-            <a:pPr lvl="2"/>
+              <a:t>Compendia </a:t>
+            </a:r>
             <a:r>
               <a:rPr lang="en-US" dirty="0" smtClean="0"/>
-              <a:t>e.g., Access Medicine (McGraw-Hill), Elsevier, Kluwer</a:t>
-            </a:r>
-          </a:p>
-          <a:p>
-            <a:pPr lvl="1"/>
-            <a:r>
-              <a:rPr lang="en-US" dirty="0" smtClean="0"/>
-              <a:t>NLM has developed books site as part of </a:t>
-            </a:r>
-            <a:r>
-              <a:rPr lang="en-US" dirty="0" err="1" smtClean="0"/>
-              <a:t>Entrez</a:t>
-            </a:r>
-            <a:endParaRPr lang="en-US" dirty="0" smtClean="0"/>
-          </a:p>
-          <a:p>
-            <a:r>
-              <a:rPr lang="en-US" dirty="0" smtClean="0"/>
-              <a:t>Compendia of drugs, diseases, evidence, etc.</a:t>
+              <a:t>of drugs, diseases, evidence, etc.</a:t>
             </a:r>
           </a:p>
           <a:p>
@@ -25904,8 +25874,22 @@
           </a:p>
           <a:p>
             <a:r>
-              <a:rPr lang="en-US" dirty="0" smtClean="0"/>
-              <a:t>Increasingly published on mobile devices</a:t>
+              <a:rPr lang="en-US" dirty="0"/>
+              <a:t>Many of above are bundled into aggregations by publishers</a:t>
+            </a:r>
+          </a:p>
+          <a:p>
+            <a:pPr lvl="1"/>
+            <a:r>
+              <a:rPr lang="en-US" dirty="0"/>
+              <a:t>e.g., Access Medicine (McGraw-Hill), Elsevier, Kluwer</a:t>
+            </a:r>
+          </a:p>
+          <a:p>
+            <a:pPr lvl="1"/>
+            <a:r>
+              <a:rPr lang="en-US" dirty="0"/>
+              <a:t>Also increasingly published on mobile devices</a:t>
             </a:r>
             <a:endParaRPr lang="en-US" dirty="0"/>
           </a:p>
@@ -26467,9 +26451,27 @@
             </a:pPr>
             <a:r>
               <a:rPr lang="en-US" dirty="0" smtClean="0"/>
-              <a:t>PEPID</a:t>
-            </a:r>
-            <a:endParaRPr lang="en-US" dirty="0"/>
+              <a:t>Many </a:t>
+            </a:r>
+            <a:r>
+              <a:rPr lang="en-US" dirty="0"/>
+              <a:t>professional societies provide to members, e.g., American College of Physicians </a:t>
+            </a:r>
+          </a:p>
+          <a:p>
+            <a:r>
+              <a:rPr lang="en-US" dirty="0" smtClean="0"/>
+              <a:t>Patient/consumer-oriented</a:t>
+            </a:r>
+            <a:r>
+              <a:rPr lang="en-US" dirty="0"/>
+              <a:t>, e.g</a:t>
+            </a:r>
+            <a:r>
+              <a:rPr lang="en-US" dirty="0" smtClean="0"/>
+              <a:t>., </a:t>
+            </a:r>
+            <a:endParaRPr lang="en-US" dirty="0" smtClean="0"/>
           </a:p>
           <a:p>
             <a:pPr lvl="1">
@@ -26478,19 +26480,10 @@
               </a:lnSpc>
             </a:pPr>
             <a:r>
-              <a:rPr lang="en-US" dirty="0"/>
-              <a:t>Many professional societies provide to members, e.g., American College of Physicians </a:t>
-            </a:r>
-          </a:p>
-          <a:p>
-            <a:r>
-              <a:rPr lang="en-US" dirty="0" smtClean="0"/>
-              <a:t>Patient/consumer-oriented</a:t>
-            </a:r>
-            <a:r>
-              <a:rPr lang="en-US" dirty="0"/>
-              <a:t>, e.g.,</a:t>
-            </a:r>
+              <a:rPr lang="en-US" dirty="0" err="1" smtClean="0"/>
+              <a:t>NetWellness</a:t>
+            </a:r>
+            <a:endParaRPr lang="en-US" dirty="0"/>
           </a:p>
           <a:p>
             <a:pPr lvl="1">
@@ -26499,14 +26492,21 @@
               </a:lnSpc>
             </a:pPr>
             <a:r>
-              <a:rPr lang="en-US" dirty="0" err="1"/>
-              <a:t>Intelihealth</a:t>
-            </a:r>
+              <a:rPr lang="en-US" dirty="0" smtClean="0"/>
+              <a:t>WebMD</a:t>
+            </a:r>
+            <a:endParaRPr lang="en-US" dirty="0"/>
+          </a:p>
+          <a:p>
+            <a:pPr>
+              <a:lnSpc>
+                <a:spcPct val="90000"/>
+              </a:lnSpc>
+            </a:pPr>
             <a:r>
               <a:rPr lang="en-US" dirty="0"/>
-              <a:t> </a:t>
-            </a:r>
-            <a:endParaRPr lang="en-US" dirty="0" smtClean="0"/>
+              <a:t>Many mobile apps provide health information, e.g.,</a:t>
+            </a:r>
           </a:p>
           <a:p>
             <a:pPr lvl="1">
@@ -26516,9 +26516,9 @@
             </a:pPr>
             <a:r>
               <a:rPr lang="en-US" dirty="0" err="1" smtClean="0"/>
-              <a:t>NetWellness</a:t>
-            </a:r>
-            <a:endParaRPr lang="en-US" dirty="0"/>
+              <a:t>iTriage</a:t>
+            </a:r>
+            <a:endParaRPr lang="en-US" dirty="0" smtClean="0"/>
           </a:p>
           <a:p>
             <a:pPr lvl="1">
@@ -26527,31 +26527,8 @@
               </a:lnSpc>
             </a:pPr>
             <a:r>
-              <a:rPr lang="en-US" dirty="0" smtClean="0"/>
-              <a:t>WebMD</a:t>
-            </a:r>
-            <a:endParaRPr lang="en-US" dirty="0"/>
-          </a:p>
-          <a:p>
-            <a:pPr>
-              <a:lnSpc>
-                <a:spcPct val="90000"/>
-              </a:lnSpc>
-            </a:pPr>
-            <a:r>
-              <a:rPr lang="en-US" dirty="0"/>
-              <a:t>Many mobile apps provide health information, e.g.,</a:t>
-            </a:r>
-          </a:p>
-          <a:p>
-            <a:pPr lvl="1">
-              <a:lnSpc>
-                <a:spcPct val="90000"/>
-              </a:lnSpc>
-            </a:pPr>
-            <a:r>
-              <a:rPr lang="en-US" dirty="0" err="1" smtClean="0"/>
-              <a:t>iTriage</a:t>
+              <a:rPr lang="en-US" dirty="0" err="1"/>
+              <a:t>Epocrates</a:t>
             </a:r>
             <a:endParaRPr lang="en-US" dirty="0"/>
           </a:p>
@@ -27440,7 +27417,15 @@
             <a:pPr lvl="1"/>
             <a:r>
               <a:rPr lang="en-US" dirty="0" smtClean="0"/>
-              <a:t>More pathology</a:t>
+              <a:t>More </a:t>
+            </a:r>
+            <a:r>
+              <a:rPr lang="en-US" dirty="0"/>
+              <a:t>pathology – </a:t>
+            </a:r>
+            <a:r>
+              <a:rPr lang="en-US" dirty="0" smtClean="0"/>
+              <a:t>PEIR</a:t>
             </a:r>
           </a:p>
           <a:p>
@@ -27783,54 +27768,31 @@
           <a:p>
             <a:r>
               <a:rPr lang="en-US" dirty="0" smtClean="0"/>
-              <a:t>Up to Date</a:t>
+              <a:t>PubMed </a:t>
+            </a:r>
+            <a:r>
+              <a:rPr lang="en-US" dirty="0" smtClean="0"/>
+              <a:t>Health</a:t>
             </a:r>
           </a:p>
           <a:p>
             <a:pPr lvl="1"/>
             <a:r>
               <a:rPr lang="en-US" dirty="0" smtClean="0"/>
-              <a:t>Clinically oriented overviews of medicine</a:t>
-            </a:r>
-          </a:p>
-          <a:p>
+              <a:t>Systematic reviews and summaries of systematic </a:t>
+            </a:r>
             <a:r>
               <a:rPr lang="en-US" dirty="0" smtClean="0"/>
-              <a:t>Essential Evidence Plus (formerly </a:t>
-            </a:r>
-            <a:r>
-              <a:rPr lang="en-US" dirty="0" err="1" smtClean="0"/>
-              <a:t>InfoPOEMS</a:t>
-            </a:r>
-            <a:r>
-              <a:rPr lang="en-US" dirty="0" smtClean="0"/>
-              <a:t>, </a:t>
-            </a:r>
-            <a:r>
-              <a:rPr lang="en-US" altLang="ja-JP" dirty="0" smtClean="0"/>
-              <a:t>“</a:t>
-            </a:r>
-            <a:r>
-              <a:rPr lang="en-US" dirty="0" smtClean="0"/>
-              <a:t>Patient-oriented evidence that matters</a:t>
-            </a:r>
-            <a:r>
-              <a:rPr lang="en-US" altLang="ja-JP" dirty="0" smtClean="0"/>
-              <a:t>”)</a:t>
-            </a:r>
-          </a:p>
-          <a:p>
-            <a:r>
-              <a:rPr lang="en-US" dirty="0" smtClean="0"/>
-              <a:t>PubMed Health</a:t>
-            </a:r>
-          </a:p>
-          <a:p>
-            <a:pPr lvl="1"/>
-            <a:r>
-              <a:rPr lang="en-US" dirty="0" smtClean="0"/>
-              <a:t>Systematic reviews and summaries of systematic reviews</a:t>
-            </a:r>
+              <a:t>reviews</a:t>
+            </a:r>
+          </a:p>
+          <a:p>
+            <a:r>
+              <a:rPr lang="en-US" dirty="0"/>
+              <a:t>Many resources part of aggregations</a:t>
+            </a:r>
+          </a:p>
+          <a:p>
             <a:endParaRPr lang="en-US" dirty="0"/>
           </a:p>
         </p:txBody>
@@ -28231,14 +28193,13 @@
             </a:pPr>
             <a:r>
               <a:rPr lang="en-US" sz="2100" dirty="0"/>
-              <a:t>Maps – Locations of genes on chromosomes</a:t>
-            </a:r>
-          </a:p>
-          <a:p>
-            <a:r>
-              <a:rPr lang="en-US" dirty="0"/>
-              <a:t>More in bioinformatics unit…</a:t>
-            </a:r>
+              <a:t>Maps – Locations of genes on </a:t>
+            </a:r>
+            <a:r>
+              <a:rPr lang="en-US" sz="2100" dirty="0" smtClean="0"/>
+              <a:t>chromosomes</a:t>
+            </a:r>
+            <a:endParaRPr lang="en-US" sz="2100" dirty="0"/>
           </a:p>
         </p:txBody>
       </p:sp>
@@ -28354,15 +28315,6 @@
               <a:defRPr/>
             </a:pPr>
             <a:r>
-              <a:rPr lang="en-US" dirty="0"/>
-              <a:t>Cases (BMC, from Journal of Medical Case Reports and others)</a:t>
-            </a:r>
-          </a:p>
-          <a:p>
-            <a:pPr>
-              <a:defRPr/>
-            </a:pPr>
-            <a:r>
               <a:rPr lang="en-US" dirty="0" smtClean="0"/>
               <a:t>ClinicalTrials.gov</a:t>
             </a:r>
@@ -28442,8 +28394,52 @@
             </a:pPr>
             <a:r>
               <a:rPr lang="en-US" sz="2100" dirty="0"/>
-              <a:t>Replaced the CRISP database</a:t>
-            </a:r>
+              <a:t>Replaced the CRISP </a:t>
+            </a:r>
+            <a:r>
+              <a:rPr lang="en-US" sz="2100" dirty="0" smtClean="0"/>
+              <a:t>database</a:t>
+            </a:r>
+          </a:p>
+          <a:p>
+            <a:pPr>
+              <a:defRPr/>
+            </a:pPr>
+            <a:r>
+              <a:rPr lang="en-US" sz="2400" dirty="0"/>
+              <a:t>biomedical and </a:t>
+            </a:r>
+            <a:r>
+              <a:rPr lang="en-US" sz="2400" dirty="0" err="1"/>
+              <a:t>healthCAre</a:t>
+            </a:r>
+            <a:r>
+              <a:rPr lang="en-US" sz="2400" dirty="0"/>
+              <a:t> Data Discovery Index Ecosystem (</a:t>
+            </a:r>
+            <a:r>
+              <a:rPr lang="en-US" sz="2400" dirty="0" err="1"/>
+              <a:t>bioCADDIE</a:t>
+            </a:r>
+            <a:r>
+              <a:rPr lang="en-US" sz="2400" dirty="0"/>
+              <a:t>)</a:t>
+            </a:r>
+          </a:p>
+          <a:p>
+            <a:pPr lvl="1">
+              <a:defRPr/>
+            </a:pPr>
+            <a:r>
+              <a:rPr lang="en-US" dirty="0"/>
+              <a:t>Database of metadata about available biomedical data sets</a:t>
+            </a:r>
+          </a:p>
+          <a:p>
+            <a:pPr>
+              <a:defRPr/>
+            </a:pPr>
+            <a:endParaRPr lang="en-US" sz="2400" dirty="0"/>
           </a:p>
         </p:txBody>
       </p:sp>
@@ -28687,48 +28683,50 @@
           <a:p>
             <a:pPr lvl="1"/>
             <a:r>
-              <a:rPr lang="en-US" dirty="0" smtClean="0"/>
-              <a:t>ACP Smart Medicine</a:t>
+              <a:rPr lang="en-US" dirty="0"/>
+              <a:t>Up to Date – www.uptodate.com</a:t>
             </a:r>
           </a:p>
           <a:p>
             <a:pPr lvl="2"/>
             <a:r>
-              <a:rPr lang="en-US" dirty="0" smtClean="0"/>
-              <a:t>Bundle of resources</a:t>
-            </a:r>
-          </a:p>
-          <a:p>
-            <a:pPr lvl="3"/>
-            <a:r>
-              <a:rPr lang="en-US" dirty="0" smtClean="0"/>
-              <a:t>Evidence compendium – formerly called Physician’s Information and Education Resource (PIER)</a:t>
-            </a:r>
-          </a:p>
-          <a:p>
-            <a:pPr lvl="3"/>
-            <a:r>
-              <a:rPr lang="en-US" dirty="0" smtClean="0"/>
-              <a:t>Journals – </a:t>
-            </a:r>
-            <a:r>
-              <a:rPr lang="en-US" i="1" dirty="0" smtClean="0"/>
-              <a:t>Annals of Internal Medicine</a:t>
-            </a:r>
-            <a:r>
-              <a:rPr lang="en-US" dirty="0" smtClean="0"/>
-              <a:t>, </a:t>
-            </a:r>
-            <a:r>
-              <a:rPr lang="en-US" i="1" dirty="0" smtClean="0"/>
-              <a:t>ACP Journal Club</a:t>
-            </a:r>
-          </a:p>
-          <a:p>
-            <a:pPr lvl="3"/>
-            <a:r>
-              <a:rPr lang="en-US" dirty="0" smtClean="0"/>
-              <a:t>Clinical guidelines</a:t>
+              <a:rPr lang="en-US" dirty="0"/>
+              <a:t>Very popular among clinicians</a:t>
+            </a:r>
+          </a:p>
+          <a:p>
+            <a:pPr lvl="1"/>
+            <a:r>
+              <a:rPr lang="en-US" dirty="0"/>
+              <a:t>Essential Evidence Plus (includes </a:t>
+            </a:r>
+            <a:r>
+              <a:rPr lang="en-US" dirty="0" err="1"/>
+              <a:t>InfoPOEMS</a:t>
+            </a:r>
+            <a:r>
+              <a:rPr lang="en-US" dirty="0"/>
+              <a:t>, “Patient-oriented evidence that </a:t>
+            </a:r>
+            <a:r>
+              <a:rPr lang="en-US"/>
+              <a:t>matters</a:t>
+            </a:r>
+            <a:r>
+              <a:rPr lang="en-US" smtClean="0"/>
+              <a:t>”)</a:t>
+            </a:r>
+            <a:endParaRPr lang="en-US" dirty="0"/>
+          </a:p>
+          <a:p>
+            <a:pPr lvl="1"/>
+            <a:r>
+              <a:rPr lang="en-US" dirty="0" err="1"/>
+              <a:t>Dynamed</a:t>
+            </a:r>
+            <a:r>
+              <a:rPr lang="en-US" dirty="0"/>
+              <a:t> </a:t>
             </a:r>
             <a:endParaRPr lang="en-US" dirty="0"/>
           </a:p>
@@ -29532,7 +29530,7 @@
             </a:r>
           </a:p>
           <a:p>
-            <a:pPr lvl="1"/>
+            <a:pPr lvl="2"/>
             <a:r>
               <a:rPr lang="en-US" dirty="0" smtClean="0"/>
               <a:t>Now with links </a:t>
@@ -29556,21 +29554,41 @@
             <a:pPr lvl="1"/>
             <a:r>
               <a:rPr lang="en-US" dirty="0" smtClean="0"/>
-              <a:t>Over 22 million references to peer-reviewed literature</a:t>
+              <a:t>Over </a:t>
+            </a:r>
+            <a:r>
+              <a:rPr lang="en-US" dirty="0" smtClean="0"/>
+              <a:t>23 </a:t>
+            </a:r>
+            <a:r>
+              <a:rPr lang="en-US" dirty="0" smtClean="0"/>
+              <a:t>million references to peer-reviewed literature</a:t>
             </a:r>
           </a:p>
           <a:p>
             <a:pPr lvl="1"/>
             <a:r>
               <a:rPr lang="en-US" dirty="0" smtClean="0"/>
-              <a:t>Over 5,000 journals, mostly English language</a:t>
+              <a:t>Over </a:t>
+            </a:r>
+            <a:r>
+              <a:rPr lang="en-US" dirty="0" smtClean="0"/>
+              <a:t>5600 </a:t>
+            </a:r>
+            <a:r>
+              <a:rPr lang="en-US" dirty="0" smtClean="0"/>
+              <a:t>journals, mostly English language</a:t>
             </a:r>
           </a:p>
           <a:p>
             <a:pPr lvl="1"/>
             <a:r>
               <a:rPr lang="en-US" dirty="0" smtClean="0"/>
-              <a:t>About 750,000 new references added yearly</a:t>
+              <a:t>Nearly 900,000 </a:t>
+            </a:r>
+            <a:r>
+              <a:rPr lang="en-US" dirty="0" smtClean="0"/>
+              <a:t>new references added yearly</a:t>
             </a:r>
           </a:p>
         </p:txBody>
@@ -29863,8 +29881,31 @@
           <a:p>
             <a:pPr lvl="1"/>
             <a:r>
-              <a:rPr lang="en-US" dirty="0" err="1"/>
-              <a:t>Healthfinder</a:t>
+              <a:rPr lang="en-US" dirty="0" err="1">
+                <a:latin typeface="Calibri" charset="0"/>
+              </a:rPr>
+              <a:t>HONSearch</a:t>
+            </a:r>
+            <a:r>
+              <a:rPr lang="en-US" dirty="0">
+                <a:latin typeface="Calibri" charset="0"/>
+              </a:rPr>
+              <a:t> for </a:t>
+            </a:r>
+            <a:r>
+              <a:rPr lang="en-US" dirty="0" smtClean="0">
+                <a:latin typeface="Calibri" charset="0"/>
+              </a:rPr>
+              <a:t>patients/consumers</a:t>
+            </a:r>
+          </a:p>
+          <a:p>
+            <a:pPr lvl="1"/>
+            <a:r>
+              <a:rPr lang="en-US" dirty="0">
+                <a:latin typeface="Calibri" charset="0"/>
+              </a:rPr>
+              <a:t>MedlinePlus – part of larger consumer health site</a:t>
             </a:r>
             <a:endParaRPr lang="en-US" dirty="0"/>
           </a:p>
@@ -30093,13 +30134,13 @@
   <p:tag name="ARTICULATE_REFERENCE_COUNT" val="1"/>
   <p:tag name="ARTICULATE_REFERENCE_DESCRIPTION" val="Here are some useful links:"/>
   <p:tag name="ARTICULATE_PLAYER_GLOSSARY_XML" val="&lt;?xml version=&quot;1.0&quot; encoding=&quot;utf-16&quot;?&gt;&lt;glossary xmlns:xsi=&quot;http://www.w3.org/2001/XMLSchema-instance&quot; xmlns:xsd=&quot;http://www.w3.org/2001/XMLSchema&quot;&gt;&lt;terms /&gt;&lt;/glossary&gt;"/>
-  <p:tag name="ARTICULATE_PROJECT_OPEN" val="1"/>
   <p:tag name="TAG_BACKING_FORM_KEY" val="853280-c:\wamp\www\box sync\bd2k\oer content\bdk12\staged\bdk10-2.pptx"/>
   <p:tag name="ARTICULATE_PRESENTER_VERSION" val="7"/>
   <p:tag name="ARTICULATE_USED_PAGE_ORIENTATION" val="1"/>
   <p:tag name="ARTICULATE_USED_PAGE_SIZE" val="1"/>
   <p:tag name="ARTICULATE_META_COURSE_ID" val="61iNhgwZYDG_course_id"/>
   <p:tag name="ARTICULATE_META_NAME_SET" val="True"/>
+  <p:tag name="ARTICULATE_PROJECT_OPEN" val="0"/>
 </p:tagLst>
 </file>
 
@@ -30374,6 +30415,7 @@
   <p:tag name="ORIGINAL_AUDIO_FILEPATH" val="C:\wamp\www\Box Sync\BD2K\OER Content\BDK12\Staged\Audio\BDK12-2\Slide 01 - Content.wav"/>
   <p:tag name="ELAPSEDTIME" val="11.852"/>
   <p:tag name="ARTICULATE_USED_LAYOUT" val="1"/>
+  <p:tag name="ARTICULATE_SLIDE_THUMBNAIL_REFRESH" val="1"/>
 </p:tagLst>
 </file>
 
@@ -30399,6 +30441,7 @@
   <p:tag name="ARTICULATE_PLAYER_CONTROL_RESOURCES" val="False"/>
   <p:tag name="ARTICULATE_PLAYER_CONTROL_GLOSSARY" val="False"/>
   <p:tag name="ARTICULATE_USED_LAYOUT" val="2"/>
+  <p:tag name="ARTICULATE_SLIDE_THUMBNAIL_REFRESH" val="1"/>
 </p:tagLst>
 </file>
 
@@ -30435,6 +30478,7 @@
   <p:tag name="ARTICULATE_PLAYER_CONTROL_RESOURCES" val="False"/>
   <p:tag name="ARTICULATE_PLAYER_CONTROL_GLOSSARY" val="False"/>
   <p:tag name="ARTICULATE_USED_LAYOUT" val="2"/>
+  <p:tag name="ARTICULATE_SLIDE_THUMBNAIL_REFRESH" val="1"/>
 </p:tagLst>
 </file>
 
@@ -30454,6 +30498,7 @@
   <p:tag name="ARTICULATE_PLAYER_CONTROL_RESOURCES" val="False"/>
   <p:tag name="ARTICULATE_PLAYER_CONTROL_GLOSSARY" val="False"/>
   <p:tag name="ARTICULATE_USED_LAYOUT" val="22"/>
+  <p:tag name="ARTICULATE_SLIDE_THUMBNAIL_REFRESH" val="1"/>
 </p:tagLst>
 </file>
 
@@ -30476,6 +30521,7 @@
   <p:tag name="ARTICULATE_PLAYER_CONTROL_RESOURCES" val="False"/>
   <p:tag name="ARTICULATE_PLAYER_CONTROL_GLOSSARY" val="False"/>
   <p:tag name="ARTICULATE_USED_LAYOUT" val="2"/>
+  <p:tag name="ARTICULATE_SLIDE_THUMBNAIL_REFRESH" val="1"/>
 </p:tagLst>
 </file>
 
@@ -30498,6 +30544,7 @@
   <p:tag name="ARTICULATE_PLAYER_CONTROL_RESOURCES" val="False"/>
   <p:tag name="ARTICULATE_PLAYER_CONTROL_GLOSSARY" val="False"/>
   <p:tag name="ARTICULATE_USED_LAYOUT" val="2"/>
+  <p:tag name="ARTICULATE_SLIDE_THUMBNAIL_REFRESH" val="1"/>
 </p:tagLst>
 </file>
 
@@ -30517,6 +30564,7 @@
   <p:tag name="ARTICULATE_PLAYER_CONTROL_RESOURCES" val="False"/>
   <p:tag name="ARTICULATE_PLAYER_CONTROL_GLOSSARY" val="False"/>
   <p:tag name="ARTICULATE_USED_LAYOUT" val="2"/>
+  <p:tag name="ARTICULATE_SLIDE_THUMBNAIL_REFRESH" val="1"/>
 </p:tagLst>
 </file>
 
@@ -30536,6 +30584,7 @@
   <p:tag name="ARTICULATE_PLAYER_CONTROL_RESOURCES" val="False"/>
   <p:tag name="ARTICULATE_PLAYER_CONTROL_GLOSSARY" val="False"/>
   <p:tag name="ARTICULATE_USED_LAYOUT" val="2"/>
+  <p:tag name="ARTICULATE_SLIDE_THUMBNAIL_REFRESH" val="1"/>
 </p:tagLst>
 </file>
 
@@ -30553,6 +30602,7 @@
   <p:tag name="ARTICULATE_PLAYER_CONTROL_RESOURCES" val="False"/>
   <p:tag name="ARTICULATE_PLAYER_CONTROL_GLOSSARY" val="False"/>
   <p:tag name="ARTICULATE_USED_LAYOUT" val="10"/>
+  <p:tag name="ARTICULATE_SLIDE_THUMBNAIL_REFRESH" val="1"/>
 </p:tagLst>
 </file>
 
@@ -30574,6 +30624,7 @@
   <p:tag name="ARTICULATE_PLAYER_CONTROL_RESOURCES" val="False"/>
   <p:tag name="ARTICULATE_PLAYER_CONTROL_GLOSSARY" val="False"/>
   <p:tag name="ARTICULATE_USED_LAYOUT" val="2"/>
+  <p:tag name="ARTICULATE_SLIDE_THUMBNAIL_REFRESH" val="1"/>
 </p:tagLst>
 </file>
 
@@ -30601,6 +30652,7 @@
   <p:tag name="ARTICULATE_PLAYER_CONTROL_RESOURCES" val="False"/>
   <p:tag name="ARTICULATE_PLAYER_CONTROL_GLOSSARY" val="False"/>
   <p:tag name="ARTICULATE_USED_LAYOUT" val="2"/>
+  <p:tag name="ARTICULATE_SLIDE_THUMBNAIL_REFRESH" val="1"/>
 </p:tagLst>
 </file>
 
@@ -30622,6 +30674,7 @@
   <p:tag name="ARTICULATE_PLAYER_CONTROL_RESOURCES" val="False"/>
   <p:tag name="ARTICULATE_PLAYER_CONTROL_GLOSSARY" val="False"/>
   <p:tag name="ARTICULATE_USED_LAYOUT" val="2"/>
+  <p:tag name="ARTICULATE_SLIDE_THUMBNAIL_REFRESH" val="1"/>
 </p:tagLst>
 </file>
 
@@ -30643,6 +30696,7 @@
   <p:tag name="ARTICULATE_PLAYER_CONTROL_RESOURCES" val="False"/>
   <p:tag name="ARTICULATE_PLAYER_CONTROL_GLOSSARY" val="False"/>
   <p:tag name="ARTICULATE_USED_LAYOUT" val="2"/>
+  <p:tag name="ARTICULATE_SLIDE_THUMBNAIL_REFRESH" val="1"/>
 </p:tagLst>
 </file>
 
@@ -30664,6 +30718,7 @@
   <p:tag name="ARTICULATE_PLAYER_CONTROL_RESOURCES" val="False"/>
   <p:tag name="ARTICULATE_PLAYER_CONTROL_GLOSSARY" val="False"/>
   <p:tag name="ARTICULATE_USED_LAYOUT" val="2"/>
+  <p:tag name="ARTICULATE_SLIDE_THUMBNAIL_REFRESH" val="1"/>
 </p:tagLst>
 </file>
 
@@ -30685,6 +30740,7 @@
   <p:tag name="ARTICULATE_PLAYER_CONTROL_RESOURCES" val="False"/>
   <p:tag name="ARTICULATE_PLAYER_CONTROL_GLOSSARY" val="False"/>
   <p:tag name="ARTICULATE_USED_LAYOUT" val="2"/>
+  <p:tag name="ARTICULATE_SLIDE_THUMBNAIL_REFRESH" val="1"/>
 </p:tagLst>
 </file>
 
@@ -30706,6 +30762,7 @@
   <p:tag name="ARTICULATE_PLAYER_CONTROL_RESOURCES" val="False"/>
   <p:tag name="ARTICULATE_PLAYER_CONTROL_GLOSSARY" val="False"/>
   <p:tag name="ARTICULATE_USED_LAYOUT" val="2"/>
+  <p:tag name="ARTICULATE_SLIDE_THUMBNAIL_REFRESH" val="1"/>
 </p:tagLst>
 </file>
 
@@ -30742,6 +30799,7 @@
   <p:tag name="ARTICULATE_PLAYER_CONTROL_RESOURCES" val="False"/>
   <p:tag name="ARTICULATE_PLAYER_CONTROL_GLOSSARY" val="False"/>
   <p:tag name="ARTICULATE_USED_LAYOUT" val="10"/>
+  <p:tag name="ARTICULATE_SLIDE_THUMBNAIL_REFRESH" val="1"/>
 </p:tagLst>
 </file>
 
@@ -30763,6 +30821,7 @@
   <p:tag name="ARTICULATE_PLAYER_CONTROL_RESOURCES" val="False"/>
   <p:tag name="ARTICULATE_PLAYER_CONTROL_GLOSSARY" val="False"/>
   <p:tag name="ARTICULATE_USED_LAYOUT" val="2"/>
+  <p:tag name="ARTICULATE_SLIDE_THUMBNAIL_REFRESH" val="1"/>
 </p:tagLst>
 </file>
 
@@ -30784,6 +30843,7 @@
   <p:tag name="ARTICULATE_PLAYER_CONTROL_RESOURCES" val="False"/>
   <p:tag name="ARTICULATE_PLAYER_CONTROL_GLOSSARY" val="False"/>
   <p:tag name="ARTICULATE_USED_LAYOUT" val="2"/>
+  <p:tag name="ARTICULATE_SLIDE_THUMBNAIL_REFRESH" val="1"/>
 </p:tagLst>
 </file>
 
@@ -30811,6 +30871,7 @@
   <p:tag name="ARTICULATE_PLAYER_CONTROL_RESOURCES" val="False"/>
   <p:tag name="ARTICULATE_PLAYER_CONTROL_GLOSSARY" val="False"/>
   <p:tag name="ARTICULATE_USED_LAYOUT" val="2"/>
+  <p:tag name="ARTICULATE_SLIDE_THUMBNAIL_REFRESH" val="1"/>
 </p:tagLst>
 </file>
 
@@ -30832,6 +30893,7 @@
   <p:tag name="ARTICULATE_PLAYER_CONTROL_RESOURCES" val="False"/>
   <p:tag name="ARTICULATE_PLAYER_CONTROL_GLOSSARY" val="False"/>
   <p:tag name="ARTICULATE_USED_LAYOUT" val="2"/>
+  <p:tag name="ARTICULATE_SLIDE_THUMBNAIL_REFRESH" val="1"/>
 </p:tagLst>
 </file>
 
@@ -30853,6 +30915,7 @@
   <p:tag name="ARTICULATE_PLAYER_CONTROL_RESOURCES" val="False"/>
   <p:tag name="ARTICULATE_PLAYER_CONTROL_GLOSSARY" val="False"/>
   <p:tag name="ARTICULATE_USED_LAYOUT" val="2"/>
+  <p:tag name="ARTICULATE_SLIDE_THUMBNAIL_REFRESH" val="1"/>
 </p:tagLst>
 </file>
 
@@ -30874,6 +30937,7 @@
   <p:tag name="ARTICULATE_PLAYER_CONTROL_RESOURCES" val="False"/>
   <p:tag name="ARTICULATE_PLAYER_CONTROL_GLOSSARY" val="False"/>
   <p:tag name="ARTICULATE_USED_LAYOUT" val="2"/>
+  <p:tag name="ARTICULATE_SLIDE_THUMBNAIL_REFRESH" val="1"/>
 </p:tagLst>
 </file>
 
@@ -30895,6 +30959,7 @@
   <p:tag name="ARTICULATE_PLAYER_CONTROL_RESOURCES" val="False"/>
   <p:tag name="ARTICULATE_PLAYER_CONTROL_GLOSSARY" val="False"/>
   <p:tag name="ARTICULATE_USED_LAYOUT" val="2"/>
+  <p:tag name="ARTICULATE_SLIDE_THUMBNAIL_REFRESH" val="1"/>
 </p:tagLst>
 </file>
 
@@ -30912,6 +30977,7 @@
   <p:tag name="ARTICULATE_PLAYER_CONTROL_RESOURCES" val="False"/>
   <p:tag name="ARTICULATE_PLAYER_CONTROL_GLOSSARY" val="False"/>
   <p:tag name="ARTICULATE_USED_LAYOUT" val="10"/>
+  <p:tag name="ARTICULATE_SLIDE_THUMBNAIL_REFRESH" val="1"/>
 </p:tagLst>
 </file>
 
@@ -30933,6 +30999,7 @@
   <p:tag name="ARTICULATE_PLAYER_CONTROL_RESOURCES" val="False"/>
   <p:tag name="ARTICULATE_PLAYER_CONTROL_GLOSSARY" val="False"/>
   <p:tag name="ARTICULATE_USED_LAYOUT" val="2"/>
+  <p:tag name="ARTICULATE_SLIDE_THUMBNAIL_REFRESH" val="1"/>
 </p:tagLst>
 </file>
 
@@ -30952,6 +31019,7 @@
   <p:tag name="ARTICULATE_PLAYER_CONTROL_RESOURCES" val="False"/>
   <p:tag name="ARTICULATE_PLAYER_CONTROL_GLOSSARY" val="False"/>
   <p:tag name="ARTICULATE_USED_LAYOUT" val="2"/>
+  <p:tag name="ARTICULATE_SLIDE_THUMBNAIL_REFRESH" val="1"/>
 </p:tagLst>
 </file>
 
